--- a/dnd_helper_bot_presentation.pptx
+++ b/dnd_helper_bot_presentation.pptx
@@ -292,7 +292,7 @@
           <a:p>
             <a:fld id="{B4C71EC6-210F-42DE-9C53-41977AD35B3D}" type="datetimeFigureOut">
               <a:rPr lang="ru-RU" smtClean="0"/>
-              <a:t>05.05.2020</a:t>
+              <a:t>09.05.2020</a:t>
             </a:fld>
             <a:endParaRPr lang="ru-RU"/>
           </a:p>
@@ -462,7 +462,7 @@
           <a:p>
             <a:fld id="{B4C71EC6-210F-42DE-9C53-41977AD35B3D}" type="datetimeFigureOut">
               <a:rPr lang="ru-RU" smtClean="0"/>
-              <a:t>05.05.2020</a:t>
+              <a:t>09.05.2020</a:t>
             </a:fld>
             <a:endParaRPr lang="ru-RU"/>
           </a:p>
@@ -642,7 +642,7 @@
           <a:p>
             <a:fld id="{B4C71EC6-210F-42DE-9C53-41977AD35B3D}" type="datetimeFigureOut">
               <a:rPr lang="ru-RU" smtClean="0"/>
-              <a:t>05.05.2020</a:t>
+              <a:t>09.05.2020</a:t>
             </a:fld>
             <a:endParaRPr lang="ru-RU"/>
           </a:p>
@@ -812,7 +812,7 @@
           <a:p>
             <a:fld id="{B4C71EC6-210F-42DE-9C53-41977AD35B3D}" type="datetimeFigureOut">
               <a:rPr lang="ru-RU" smtClean="0"/>
-              <a:t>05.05.2020</a:t>
+              <a:t>09.05.2020</a:t>
             </a:fld>
             <a:endParaRPr lang="ru-RU"/>
           </a:p>
@@ -1058,7 +1058,7 @@
           <a:p>
             <a:fld id="{B4C71EC6-210F-42DE-9C53-41977AD35B3D}" type="datetimeFigureOut">
               <a:rPr lang="ru-RU" smtClean="0"/>
-              <a:t>05.05.2020</a:t>
+              <a:t>09.05.2020</a:t>
             </a:fld>
             <a:endParaRPr lang="ru-RU"/>
           </a:p>
@@ -1346,7 +1346,7 @@
           <a:p>
             <a:fld id="{B4C71EC6-210F-42DE-9C53-41977AD35B3D}" type="datetimeFigureOut">
               <a:rPr lang="ru-RU" smtClean="0"/>
-              <a:t>05.05.2020</a:t>
+              <a:t>09.05.2020</a:t>
             </a:fld>
             <a:endParaRPr lang="ru-RU"/>
           </a:p>
@@ -1768,7 +1768,7 @@
           <a:p>
             <a:fld id="{B4C71EC6-210F-42DE-9C53-41977AD35B3D}" type="datetimeFigureOut">
               <a:rPr lang="ru-RU" smtClean="0"/>
-              <a:t>05.05.2020</a:t>
+              <a:t>09.05.2020</a:t>
             </a:fld>
             <a:endParaRPr lang="ru-RU"/>
           </a:p>
@@ -1886,7 +1886,7 @@
           <a:p>
             <a:fld id="{B4C71EC6-210F-42DE-9C53-41977AD35B3D}" type="datetimeFigureOut">
               <a:rPr lang="ru-RU" smtClean="0"/>
-              <a:t>05.05.2020</a:t>
+              <a:t>09.05.2020</a:t>
             </a:fld>
             <a:endParaRPr lang="ru-RU"/>
           </a:p>
@@ -1981,7 +1981,7 @@
           <a:p>
             <a:fld id="{B4C71EC6-210F-42DE-9C53-41977AD35B3D}" type="datetimeFigureOut">
               <a:rPr lang="ru-RU" smtClean="0"/>
-              <a:t>05.05.2020</a:t>
+              <a:t>09.05.2020</a:t>
             </a:fld>
             <a:endParaRPr lang="ru-RU"/>
           </a:p>
@@ -2258,7 +2258,7 @@
           <a:p>
             <a:fld id="{B4C71EC6-210F-42DE-9C53-41977AD35B3D}" type="datetimeFigureOut">
               <a:rPr lang="ru-RU" smtClean="0"/>
-              <a:t>05.05.2020</a:t>
+              <a:t>09.05.2020</a:t>
             </a:fld>
             <a:endParaRPr lang="ru-RU"/>
           </a:p>
@@ -2511,7 +2511,7 @@
           <a:p>
             <a:fld id="{B4C71EC6-210F-42DE-9C53-41977AD35B3D}" type="datetimeFigureOut">
               <a:rPr lang="ru-RU" smtClean="0"/>
-              <a:t>05.05.2020</a:t>
+              <a:t>09.05.2020</a:t>
             </a:fld>
             <a:endParaRPr lang="ru-RU"/>
           </a:p>
@@ -2724,7 +2724,7 @@
           <a:p>
             <a:fld id="{B4C71EC6-210F-42DE-9C53-41977AD35B3D}" type="datetimeFigureOut">
               <a:rPr lang="ru-RU" smtClean="0"/>
-              <a:t>05.05.2020</a:t>
+              <a:t>09.05.2020</a:t>
             </a:fld>
             <a:endParaRPr lang="ru-RU"/>
           </a:p>
@@ -3454,7 +3454,19 @@
             </a:pPr>
             <a:r>
               <a:rPr lang="ru-RU" sz="2400" dirty="0" smtClean="0"/>
-              <a:t>База данных состоит из 3х таблиц:</a:t>
+              <a:t>База данных состоит из </a:t>
+            </a:r>
+            <a:r>
+              <a:rPr lang="en-US" sz="2400" dirty="0" smtClean="0"/>
+              <a:t>4</a:t>
+            </a:r>
+            <a:r>
+              <a:rPr lang="ru-RU" sz="2400" dirty="0" smtClean="0"/>
+              <a:t>х </a:t>
+            </a:r>
+            <a:r>
+              <a:rPr lang="ru-RU" sz="2400" dirty="0" smtClean="0"/>
+              <a:t>таблиц:</a:t>
             </a:r>
           </a:p>
           <a:p>
@@ -3486,6 +3498,18 @@
               <a:rPr lang="ru-RU" sz="2400" dirty="0" smtClean="0"/>
               <a:t>Заклинания</a:t>
             </a:r>
+            <a:endParaRPr lang="en-US" sz="2400" dirty="0" smtClean="0"/>
+          </a:p>
+          <a:p>
+            <a:pPr>
+              <a:buFontTx/>
+              <a:buChar char="-"/>
+            </a:pPr>
+            <a:r>
+              <a:rPr lang="ru-RU" sz="2400" dirty="0" smtClean="0"/>
+              <a:t>Связь заклинаний и классов</a:t>
+            </a:r>
+            <a:endParaRPr lang="ru-RU" sz="2400" dirty="0" smtClean="0"/>
           </a:p>
           <a:p>
             <a:pPr marL="0" indent="0">
